--- a/Project2/MVP Luther.pptx
+++ b/Project2/MVP Luther.pptx
@@ -105,6 +105,11 @@
       </a:defRPr>
     </a:lvl9pPr>
   </p:defaultTextStyle>
+  <p:extLst>
+    <p:ext uri="{EFAFB233-063F-42B5-8137-9DF3F51BA10A}">
+      <p15:sldGuideLst xmlns:p15="http://schemas.microsoft.com/office/powerpoint/2012/main"/>
+    </p:ext>
+  </p:extLst>
 </p:presentation>
 </file>
 
@@ -158,7 +163,7 @@
           <a:noFill/>
           <a:extLst>
             <a:ext uri="{909E8E84-426E-40dd-AFC4-6F175D3DCCD1}">
-              <a14:hiddenFill xmlns:a14="http://schemas.microsoft.com/office/drawing/2010/main" xmlns="">
+              <a14:hiddenFill xmlns="" xmlns:a14="http://schemas.microsoft.com/office/drawing/2010/main">
                 <a:solidFill>
                   <a:srgbClr val="FFFFFF"/>
                 </a:solidFill>
@@ -218,7 +223,7 @@
             </a:ln>
             <a:extLst>
               <a:ext uri="{91240B29-F687-4f45-9708-019B960494DF}">
-                <a14:hiddenLine xmlns:a14="http://schemas.microsoft.com/office/drawing/2010/main" xmlns="" w="9525">
+                <a14:hiddenLine xmlns="" xmlns:a14="http://schemas.microsoft.com/office/drawing/2010/main" w="9525">
                   <a:solidFill>
                     <a:srgbClr val="000000"/>
                   </a:solidFill>
@@ -308,7 +313,7 @@
             </a:ln>
             <a:extLst>
               <a:ext uri="{91240B29-F687-4f45-9708-019B960494DF}">
-                <a14:hiddenLine xmlns:a14="http://schemas.microsoft.com/office/drawing/2010/main" xmlns="" w="9525">
+                <a14:hiddenLine xmlns="" xmlns:a14="http://schemas.microsoft.com/office/drawing/2010/main" w="9525">
                   <a:solidFill>
                     <a:srgbClr val="000000"/>
                   </a:solidFill>
@@ -398,7 +403,7 @@
             </a:ln>
             <a:extLst>
               <a:ext uri="{91240B29-F687-4f45-9708-019B960494DF}">
-                <a14:hiddenLine xmlns:a14="http://schemas.microsoft.com/office/drawing/2010/main" xmlns="" w="9525">
+                <a14:hiddenLine xmlns="" xmlns:a14="http://schemas.microsoft.com/office/drawing/2010/main" w="9525">
                   <a:solidFill>
                     <a:srgbClr val="000000"/>
                   </a:solidFill>
@@ -432,7 +437,7 @@
             </a:ln>
             <a:extLst>
               <a:ext uri="{91240B29-F687-4f45-9708-019B960494DF}">
-                <a14:hiddenLine xmlns:a14="http://schemas.microsoft.com/office/drawing/2010/main" xmlns="" w="9525">
+                <a14:hiddenLine xmlns="" xmlns:a14="http://schemas.microsoft.com/office/drawing/2010/main" w="9525">
                   <a:solidFill>
                     <a:srgbClr val="000000"/>
                   </a:solidFill>
@@ -522,7 +527,7 @@
             </a:ln>
             <a:extLst>
               <a:ext uri="{91240B29-F687-4f45-9708-019B960494DF}">
-                <a14:hiddenLine xmlns:a14="http://schemas.microsoft.com/office/drawing/2010/main" xmlns="" w="9525">
+                <a14:hiddenLine xmlns="" xmlns:a14="http://schemas.microsoft.com/office/drawing/2010/main" w="9525">
                   <a:solidFill>
                     <a:srgbClr val="000000"/>
                   </a:solidFill>
@@ -584,7 +589,7 @@
             </a:ln>
             <a:extLst>
               <a:ext uri="{91240B29-F687-4f45-9708-019B960494DF}">
-                <a14:hiddenLine xmlns:a14="http://schemas.microsoft.com/office/drawing/2010/main" xmlns="" w="9525">
+                <a14:hiddenLine xmlns="" xmlns:a14="http://schemas.microsoft.com/office/drawing/2010/main" w="9525">
                   <a:solidFill>
                     <a:srgbClr val="000000"/>
                   </a:solidFill>
@@ -646,7 +651,7 @@
             </a:ln>
             <a:extLst>
               <a:ext uri="{91240B29-F687-4f45-9708-019B960494DF}">
-                <a14:hiddenLine xmlns:a14="http://schemas.microsoft.com/office/drawing/2010/main" xmlns="" w="9525">
+                <a14:hiddenLine xmlns="" xmlns:a14="http://schemas.microsoft.com/office/drawing/2010/main" w="9525">
                   <a:solidFill>
                     <a:srgbClr val="000000"/>
                   </a:solidFill>
@@ -736,7 +741,7 @@
             </a:ln>
             <a:extLst>
               <a:ext uri="{91240B29-F687-4f45-9708-019B960494DF}">
-                <a14:hiddenLine xmlns:a14="http://schemas.microsoft.com/office/drawing/2010/main" xmlns="" w="9525">
+                <a14:hiddenLine xmlns="" xmlns:a14="http://schemas.microsoft.com/office/drawing/2010/main" w="9525">
                   <a:solidFill>
                     <a:srgbClr val="000000"/>
                   </a:solidFill>
@@ -798,7 +803,7 @@
             </a:ln>
             <a:extLst>
               <a:ext uri="{91240B29-F687-4f45-9708-019B960494DF}">
-                <a14:hiddenLine xmlns:a14="http://schemas.microsoft.com/office/drawing/2010/main" xmlns="" w="9525">
+                <a14:hiddenLine xmlns="" xmlns:a14="http://schemas.microsoft.com/office/drawing/2010/main" w="9525">
                   <a:solidFill>
                     <a:srgbClr val="000000"/>
                   </a:solidFill>
@@ -860,7 +865,7 @@
             </a:ln>
             <a:extLst>
               <a:ext uri="{91240B29-F687-4f45-9708-019B960494DF}">
-                <a14:hiddenLine xmlns:a14="http://schemas.microsoft.com/office/drawing/2010/main" xmlns="" w="9525">
+                <a14:hiddenLine xmlns="" xmlns:a14="http://schemas.microsoft.com/office/drawing/2010/main" w="9525">
                   <a:solidFill>
                     <a:srgbClr val="000000"/>
                   </a:solidFill>
@@ -950,7 +955,7 @@
             </a:ln>
             <a:extLst>
               <a:ext uri="{91240B29-F687-4f45-9708-019B960494DF}">
-                <a14:hiddenLine xmlns:a14="http://schemas.microsoft.com/office/drawing/2010/main" xmlns="" w="9525">
+                <a14:hiddenLine xmlns="" xmlns:a14="http://schemas.microsoft.com/office/drawing/2010/main" w="9525">
                   <a:solidFill>
                     <a:srgbClr val="000000"/>
                   </a:solidFill>
@@ -1040,7 +1045,7 @@
             </a:ln>
             <a:extLst>
               <a:ext uri="{91240B29-F687-4f45-9708-019B960494DF}">
-                <a14:hiddenLine xmlns:a14="http://schemas.microsoft.com/office/drawing/2010/main" xmlns="" w="9525">
+                <a14:hiddenLine xmlns="" xmlns:a14="http://schemas.microsoft.com/office/drawing/2010/main" w="9525">
                   <a:solidFill>
                     <a:srgbClr val="000000"/>
                   </a:solidFill>
@@ -1102,7 +1107,7 @@
             </a:ln>
             <a:extLst>
               <a:ext uri="{91240B29-F687-4f45-9708-019B960494DF}">
-                <a14:hiddenLine xmlns:a14="http://schemas.microsoft.com/office/drawing/2010/main" xmlns="" w="9525">
+                <a14:hiddenLine xmlns="" xmlns:a14="http://schemas.microsoft.com/office/drawing/2010/main" w="9525">
                   <a:solidFill>
                     <a:srgbClr val="000000"/>
                   </a:solidFill>
@@ -1212,7 +1217,7 @@
             </a:ln>
             <a:extLst>
               <a:ext uri="{91240B29-F687-4f45-9708-019B960494DF}">
-                <a14:hiddenLine xmlns:a14="http://schemas.microsoft.com/office/drawing/2010/main" xmlns="" w="9525">
+                <a14:hiddenLine xmlns="" xmlns:a14="http://schemas.microsoft.com/office/drawing/2010/main" w="9525">
                   <a:solidFill>
                     <a:srgbClr val="000000"/>
                   </a:solidFill>
@@ -1274,7 +1279,7 @@
             </a:ln>
             <a:extLst>
               <a:ext uri="{91240B29-F687-4f45-9708-019B960494DF}">
-                <a14:hiddenLine xmlns:a14="http://schemas.microsoft.com/office/drawing/2010/main" xmlns="" w="9525">
+                <a14:hiddenLine xmlns="" xmlns:a14="http://schemas.microsoft.com/office/drawing/2010/main" w="9525">
                   <a:solidFill>
                     <a:srgbClr val="000000"/>
                   </a:solidFill>
@@ -1364,7 +1369,7 @@
             </a:ln>
             <a:extLst>
               <a:ext uri="{91240B29-F687-4f45-9708-019B960494DF}">
-                <a14:hiddenLine xmlns:a14="http://schemas.microsoft.com/office/drawing/2010/main" xmlns="" w="9525">
+                <a14:hiddenLine xmlns="" xmlns:a14="http://schemas.microsoft.com/office/drawing/2010/main" w="9525">
                   <a:solidFill>
                     <a:srgbClr val="000000"/>
                   </a:solidFill>
@@ -1454,7 +1459,7 @@
             </a:ln>
             <a:extLst>
               <a:ext uri="{91240B29-F687-4f45-9708-019B960494DF}">
-                <a14:hiddenLine xmlns:a14="http://schemas.microsoft.com/office/drawing/2010/main" xmlns="" w="9525">
+                <a14:hiddenLine xmlns="" xmlns:a14="http://schemas.microsoft.com/office/drawing/2010/main" w="9525">
                   <a:solidFill>
                     <a:srgbClr val="000000"/>
                   </a:solidFill>
@@ -1516,7 +1521,7 @@
             </a:ln>
             <a:extLst>
               <a:ext uri="{91240B29-F687-4f45-9708-019B960494DF}">
-                <a14:hiddenLine xmlns:a14="http://schemas.microsoft.com/office/drawing/2010/main" xmlns="" w="9525">
+                <a14:hiddenLine xmlns="" xmlns:a14="http://schemas.microsoft.com/office/drawing/2010/main" w="9525">
                   <a:solidFill>
                     <a:srgbClr val="000000"/>
                   </a:solidFill>
@@ -1606,7 +1611,7 @@
             </a:ln>
             <a:extLst>
               <a:ext uri="{91240B29-F687-4f45-9708-019B960494DF}">
-                <a14:hiddenLine xmlns:a14="http://schemas.microsoft.com/office/drawing/2010/main" xmlns="" w="9525">
+                <a14:hiddenLine xmlns="" xmlns:a14="http://schemas.microsoft.com/office/drawing/2010/main" w="9525">
                   <a:solidFill>
                     <a:srgbClr val="000000"/>
                   </a:solidFill>
@@ -1696,7 +1701,7 @@
             </a:ln>
             <a:extLst>
               <a:ext uri="{91240B29-F687-4f45-9708-019B960494DF}">
-                <a14:hiddenLine xmlns:a14="http://schemas.microsoft.com/office/drawing/2010/main" xmlns="" w="9525">
+                <a14:hiddenLine xmlns="" xmlns:a14="http://schemas.microsoft.com/office/drawing/2010/main" w="9525">
                   <a:solidFill>
                     <a:srgbClr val="000000"/>
                   </a:solidFill>
@@ -1752,7 +1757,7 @@
             </a:ln>
             <a:extLst>
               <a:ext uri="{91240B29-F687-4f45-9708-019B960494DF}">
-                <a14:hiddenLine xmlns:a14="http://schemas.microsoft.com/office/drawing/2010/main" xmlns="" w="9525">
+                <a14:hiddenLine xmlns="" xmlns:a14="http://schemas.microsoft.com/office/drawing/2010/main" w="9525">
                   <a:solidFill>
                     <a:srgbClr val="000000"/>
                   </a:solidFill>
@@ -1842,7 +1847,7 @@
             </a:ln>
             <a:extLst>
               <a:ext uri="{91240B29-F687-4f45-9708-019B960494DF}">
-                <a14:hiddenLine xmlns:a14="http://schemas.microsoft.com/office/drawing/2010/main" xmlns="" w="9525">
+                <a14:hiddenLine xmlns="" xmlns:a14="http://schemas.microsoft.com/office/drawing/2010/main" w="9525">
                   <a:solidFill>
                     <a:srgbClr val="000000"/>
                   </a:solidFill>
@@ -1898,7 +1903,7 @@
             </a:ln>
             <a:extLst>
               <a:ext uri="{91240B29-F687-4f45-9708-019B960494DF}">
-                <a14:hiddenLine xmlns:a14="http://schemas.microsoft.com/office/drawing/2010/main" xmlns="" w="9525">
+                <a14:hiddenLine xmlns="" xmlns:a14="http://schemas.microsoft.com/office/drawing/2010/main" w="9525">
                   <a:solidFill>
                     <a:srgbClr val="000000"/>
                   </a:solidFill>
@@ -1988,7 +1993,7 @@
             </a:ln>
             <a:extLst>
               <a:ext uri="{91240B29-F687-4f45-9708-019B960494DF}">
-                <a14:hiddenLine xmlns:a14="http://schemas.microsoft.com/office/drawing/2010/main" xmlns="" w="9525">
+                <a14:hiddenLine xmlns="" xmlns:a14="http://schemas.microsoft.com/office/drawing/2010/main" w="9525">
                   <a:solidFill>
                     <a:srgbClr val="000000"/>
                   </a:solidFill>
@@ -2056,7 +2061,7 @@
             </a:ln>
             <a:extLst>
               <a:ext uri="{91240B29-F687-4f45-9708-019B960494DF}">
-                <a14:hiddenLine xmlns:a14="http://schemas.microsoft.com/office/drawing/2010/main" xmlns="" w="9525">
+                <a14:hiddenLine xmlns="" xmlns:a14="http://schemas.microsoft.com/office/drawing/2010/main" w="9525">
                   <a:solidFill>
                     <a:srgbClr val="000000"/>
                   </a:solidFill>
@@ -2146,7 +2151,7 @@
             </a:ln>
             <a:extLst>
               <a:ext uri="{91240B29-F687-4f45-9708-019B960494DF}">
-                <a14:hiddenLine xmlns:a14="http://schemas.microsoft.com/office/drawing/2010/main" xmlns="" w="9525">
+                <a14:hiddenLine xmlns="" xmlns:a14="http://schemas.microsoft.com/office/drawing/2010/main" w="9525">
                   <a:solidFill>
                     <a:srgbClr val="000000"/>
                   </a:solidFill>
@@ -2214,7 +2219,7 @@
             </a:ln>
             <a:extLst>
               <a:ext uri="{91240B29-F687-4f45-9708-019B960494DF}">
-                <a14:hiddenLine xmlns:a14="http://schemas.microsoft.com/office/drawing/2010/main" xmlns="" w="9525">
+                <a14:hiddenLine xmlns="" xmlns:a14="http://schemas.microsoft.com/office/drawing/2010/main" w="9525">
                   <a:solidFill>
                     <a:srgbClr val="000000"/>
                   </a:solidFill>
@@ -2304,7 +2309,7 @@
             </a:ln>
             <a:extLst>
               <a:ext uri="{91240B29-F687-4f45-9708-019B960494DF}">
-                <a14:hiddenLine xmlns:a14="http://schemas.microsoft.com/office/drawing/2010/main" xmlns="" w="9525">
+                <a14:hiddenLine xmlns="" xmlns:a14="http://schemas.microsoft.com/office/drawing/2010/main" w="9525">
                   <a:solidFill>
                     <a:srgbClr val="000000"/>
                   </a:solidFill>
@@ -2338,7 +2343,7 @@
             </a:ln>
             <a:extLst>
               <a:ext uri="{91240B29-F687-4f45-9708-019B960494DF}">
-                <a14:hiddenLine xmlns:a14="http://schemas.microsoft.com/office/drawing/2010/main" xmlns="" w="9525">
+                <a14:hiddenLine xmlns="" xmlns:a14="http://schemas.microsoft.com/office/drawing/2010/main" w="9525">
                   <a:solidFill>
                     <a:srgbClr val="000000"/>
                   </a:solidFill>
@@ -2428,7 +2433,7 @@
             </a:ln>
             <a:extLst>
               <a:ext uri="{91240B29-F687-4f45-9708-019B960494DF}">
-                <a14:hiddenLine xmlns:a14="http://schemas.microsoft.com/office/drawing/2010/main" xmlns="" w="9525">
+                <a14:hiddenLine xmlns="" xmlns:a14="http://schemas.microsoft.com/office/drawing/2010/main" w="9525">
                   <a:solidFill>
                     <a:srgbClr val="000000"/>
                   </a:solidFill>
@@ -2490,7 +2495,7 @@
             </a:ln>
             <a:extLst>
               <a:ext uri="{91240B29-F687-4f45-9708-019B960494DF}">
-                <a14:hiddenLine xmlns:a14="http://schemas.microsoft.com/office/drawing/2010/main" xmlns="" w="9525">
+                <a14:hiddenLine xmlns="" xmlns:a14="http://schemas.microsoft.com/office/drawing/2010/main" w="9525">
                   <a:solidFill>
                     <a:srgbClr val="000000"/>
                   </a:solidFill>
@@ -2552,7 +2557,7 @@
             </a:ln>
             <a:extLst>
               <a:ext uri="{91240B29-F687-4f45-9708-019B960494DF}">
-                <a14:hiddenLine xmlns:a14="http://schemas.microsoft.com/office/drawing/2010/main" xmlns="" w="9525">
+                <a14:hiddenLine xmlns="" xmlns:a14="http://schemas.microsoft.com/office/drawing/2010/main" w="9525">
                   <a:solidFill>
                     <a:srgbClr val="000000"/>
                   </a:solidFill>
@@ -2642,7 +2647,7 @@
             </a:ln>
             <a:extLst>
               <a:ext uri="{91240B29-F687-4f45-9708-019B960494DF}">
-                <a14:hiddenLine xmlns:a14="http://schemas.microsoft.com/office/drawing/2010/main" xmlns="" w="9525">
+                <a14:hiddenLine xmlns="" xmlns:a14="http://schemas.microsoft.com/office/drawing/2010/main" w="9525">
                   <a:solidFill>
                     <a:srgbClr val="000000"/>
                   </a:solidFill>
@@ -2710,7 +2715,7 @@
             </a:ln>
             <a:extLst>
               <a:ext uri="{91240B29-F687-4f45-9708-019B960494DF}">
-                <a14:hiddenLine xmlns:a14="http://schemas.microsoft.com/office/drawing/2010/main" xmlns="" w="9525">
+                <a14:hiddenLine xmlns="" xmlns:a14="http://schemas.microsoft.com/office/drawing/2010/main" w="9525">
                   <a:solidFill>
                     <a:srgbClr val="000000"/>
                   </a:solidFill>
@@ -2772,7 +2777,7 @@
             </a:ln>
             <a:extLst>
               <a:ext uri="{91240B29-F687-4f45-9708-019B960494DF}">
-                <a14:hiddenLine xmlns:a14="http://schemas.microsoft.com/office/drawing/2010/main" xmlns="" w="9525">
+                <a14:hiddenLine xmlns="" xmlns:a14="http://schemas.microsoft.com/office/drawing/2010/main" w="9525">
                   <a:solidFill>
                     <a:srgbClr val="000000"/>
                   </a:solidFill>
@@ -2862,7 +2867,7 @@
             </a:ln>
             <a:extLst>
               <a:ext uri="{91240B29-F687-4f45-9708-019B960494DF}">
-                <a14:hiddenLine xmlns:a14="http://schemas.microsoft.com/office/drawing/2010/main" xmlns="" w="9525">
+                <a14:hiddenLine xmlns="" xmlns:a14="http://schemas.microsoft.com/office/drawing/2010/main" w="9525">
                   <a:solidFill>
                     <a:srgbClr val="000000"/>
                   </a:solidFill>
@@ -2924,7 +2929,7 @@
             </a:ln>
             <a:extLst>
               <a:ext uri="{91240B29-F687-4f45-9708-019B960494DF}">
-                <a14:hiddenLine xmlns:a14="http://schemas.microsoft.com/office/drawing/2010/main" xmlns="" w="9525">
+                <a14:hiddenLine xmlns="" xmlns:a14="http://schemas.microsoft.com/office/drawing/2010/main" w="9525">
                   <a:solidFill>
                     <a:srgbClr val="000000"/>
                   </a:solidFill>
@@ -3014,7 +3019,7 @@
             </a:ln>
             <a:extLst>
               <a:ext uri="{91240B29-F687-4f45-9708-019B960494DF}">
-                <a14:hiddenLine xmlns:a14="http://schemas.microsoft.com/office/drawing/2010/main" xmlns="" w="9525">
+                <a14:hiddenLine xmlns="" xmlns:a14="http://schemas.microsoft.com/office/drawing/2010/main" w="9525">
                   <a:solidFill>
                     <a:srgbClr val="000000"/>
                   </a:solidFill>
@@ -3076,7 +3081,7 @@
             </a:ln>
             <a:extLst>
               <a:ext uri="{91240B29-F687-4f45-9708-019B960494DF}">
-                <a14:hiddenLine xmlns:a14="http://schemas.microsoft.com/office/drawing/2010/main" xmlns="" w="9525">
+                <a14:hiddenLine xmlns="" xmlns:a14="http://schemas.microsoft.com/office/drawing/2010/main" w="9525">
                   <a:solidFill>
                     <a:srgbClr val="000000"/>
                   </a:solidFill>
@@ -3166,7 +3171,7 @@
             </a:ln>
             <a:extLst>
               <a:ext uri="{91240B29-F687-4f45-9708-019B960494DF}">
-                <a14:hiddenLine xmlns:a14="http://schemas.microsoft.com/office/drawing/2010/main" xmlns="" w="9525">
+                <a14:hiddenLine xmlns="" xmlns:a14="http://schemas.microsoft.com/office/drawing/2010/main" w="9525">
                   <a:solidFill>
                     <a:srgbClr val="000000"/>
                   </a:solidFill>
@@ -3200,7 +3205,7 @@
             </a:ln>
             <a:extLst>
               <a:ext uri="{91240B29-F687-4f45-9708-019B960494DF}">
-                <a14:hiddenLine xmlns:a14="http://schemas.microsoft.com/office/drawing/2010/main" xmlns="" w="9525">
+                <a14:hiddenLine xmlns="" xmlns:a14="http://schemas.microsoft.com/office/drawing/2010/main" w="9525">
                   <a:solidFill>
                     <a:srgbClr val="000000"/>
                   </a:solidFill>
@@ -3265,7 +3270,7 @@
             </a:ln>
             <a:extLst>
               <a:ext uri="{91240B29-F687-4f45-9708-019B960494DF}">
-                <a14:hiddenLine xmlns:a14="http://schemas.microsoft.com/office/drawing/2010/main" xmlns="" w="9525">
+                <a14:hiddenLine xmlns="" xmlns:a14="http://schemas.microsoft.com/office/drawing/2010/main" w="9525">
                   <a:solidFill>
                     <a:srgbClr val="000000"/>
                   </a:solidFill>
@@ -3355,7 +3360,7 @@
             </a:ln>
             <a:extLst>
               <a:ext uri="{91240B29-F687-4f45-9708-019B960494DF}">
-                <a14:hiddenLine xmlns:a14="http://schemas.microsoft.com/office/drawing/2010/main" xmlns="" w="9525">
+                <a14:hiddenLine xmlns="" xmlns:a14="http://schemas.microsoft.com/office/drawing/2010/main" w="9525">
                   <a:solidFill>
                     <a:srgbClr val="000000"/>
                   </a:solidFill>
@@ -3417,7 +3422,7 @@
             </a:ln>
             <a:extLst>
               <a:ext uri="{91240B29-F687-4f45-9708-019B960494DF}">
-                <a14:hiddenLine xmlns:a14="http://schemas.microsoft.com/office/drawing/2010/main" xmlns="" w="9525">
+                <a14:hiddenLine xmlns="" xmlns:a14="http://schemas.microsoft.com/office/drawing/2010/main" w="9525">
                   <a:solidFill>
                     <a:srgbClr val="000000"/>
                   </a:solidFill>
@@ -3507,7 +3512,7 @@
             </a:ln>
             <a:extLst>
               <a:ext uri="{91240B29-F687-4f45-9708-019B960494DF}">
-                <a14:hiddenLine xmlns:a14="http://schemas.microsoft.com/office/drawing/2010/main" xmlns="" w="9525">
+                <a14:hiddenLine xmlns="" xmlns:a14="http://schemas.microsoft.com/office/drawing/2010/main" w="9525">
                   <a:solidFill>
                     <a:srgbClr val="000000"/>
                   </a:solidFill>
@@ -3597,7 +3602,7 @@
             </a:ln>
             <a:extLst>
               <a:ext uri="{91240B29-F687-4f45-9708-019B960494DF}">
-                <a14:hiddenLine xmlns:a14="http://schemas.microsoft.com/office/drawing/2010/main" xmlns="" w="9525">
+                <a14:hiddenLine xmlns="" xmlns:a14="http://schemas.microsoft.com/office/drawing/2010/main" w="9525">
                   <a:solidFill>
                     <a:srgbClr val="000000"/>
                   </a:solidFill>
@@ -3662,7 +3667,7 @@
             </a:ln>
             <a:extLst>
               <a:ext uri="{91240B29-F687-4f45-9708-019B960494DF}">
-                <a14:hiddenLine xmlns:a14="http://schemas.microsoft.com/office/drawing/2010/main" xmlns="" w="9525">
+                <a14:hiddenLine xmlns="" xmlns:a14="http://schemas.microsoft.com/office/drawing/2010/main" w="9525">
                   <a:solidFill>
                     <a:srgbClr val="000000"/>
                   </a:solidFill>
@@ -3724,7 +3729,7 @@
             </a:ln>
             <a:extLst>
               <a:ext uri="{91240B29-F687-4f45-9708-019B960494DF}">
-                <a14:hiddenLine xmlns:a14="http://schemas.microsoft.com/office/drawing/2010/main" xmlns="" w="9525">
+                <a14:hiddenLine xmlns="" xmlns:a14="http://schemas.microsoft.com/office/drawing/2010/main" w="9525">
                   <a:solidFill>
                     <a:srgbClr val="000000"/>
                   </a:solidFill>
@@ -3814,7 +3819,7 @@
             </a:ln>
             <a:extLst>
               <a:ext uri="{91240B29-F687-4f45-9708-019B960494DF}">
-                <a14:hiddenLine xmlns:a14="http://schemas.microsoft.com/office/drawing/2010/main" xmlns="" w="9525">
+                <a14:hiddenLine xmlns="" xmlns:a14="http://schemas.microsoft.com/office/drawing/2010/main" w="9525">
                   <a:solidFill>
                     <a:srgbClr val="000000"/>
                   </a:solidFill>
@@ -3904,7 +3909,7 @@
             </a:ln>
             <a:extLst>
               <a:ext uri="{91240B29-F687-4f45-9708-019B960494DF}">
-                <a14:hiddenLine xmlns:a14="http://schemas.microsoft.com/office/drawing/2010/main" xmlns="" w="9525">
+                <a14:hiddenLine xmlns="" xmlns:a14="http://schemas.microsoft.com/office/drawing/2010/main" w="9525">
                   <a:solidFill>
                     <a:srgbClr val="000000"/>
                   </a:solidFill>
@@ -3966,7 +3971,7 @@
             </a:ln>
             <a:extLst>
               <a:ext uri="{91240B29-F687-4f45-9708-019B960494DF}">
-                <a14:hiddenLine xmlns:a14="http://schemas.microsoft.com/office/drawing/2010/main" xmlns="" w="9525">
+                <a14:hiddenLine xmlns="" xmlns:a14="http://schemas.microsoft.com/office/drawing/2010/main" w="9525">
                   <a:solidFill>
                     <a:srgbClr val="000000"/>
                   </a:solidFill>
@@ -4086,7 +4091,7 @@
             </a:ln>
             <a:extLst>
               <a:ext uri="{91240B29-F687-4f45-9708-019B960494DF}">
-                <a14:hiddenLine xmlns:a14="http://schemas.microsoft.com/office/drawing/2010/main" xmlns="" w="9525">
+                <a14:hiddenLine xmlns="" xmlns:a14="http://schemas.microsoft.com/office/drawing/2010/main" w="9525">
                   <a:solidFill>
                     <a:srgbClr val="000000"/>
                   </a:solidFill>
@@ -4154,7 +4159,7 @@
             </a:ln>
             <a:extLst>
               <a:ext uri="{91240B29-F687-4f45-9708-019B960494DF}">
-                <a14:hiddenLine xmlns:a14="http://schemas.microsoft.com/office/drawing/2010/main" xmlns="" w="9525">
+                <a14:hiddenLine xmlns="" xmlns:a14="http://schemas.microsoft.com/office/drawing/2010/main" w="9525">
                   <a:solidFill>
                     <a:srgbClr val="000000"/>
                   </a:solidFill>
@@ -4244,7 +4249,7 @@
             </a:ln>
             <a:extLst>
               <a:ext uri="{91240B29-F687-4f45-9708-019B960494DF}">
-                <a14:hiddenLine xmlns:a14="http://schemas.microsoft.com/office/drawing/2010/main" xmlns="" w="9525">
+                <a14:hiddenLine xmlns="" xmlns:a14="http://schemas.microsoft.com/office/drawing/2010/main" w="9525">
                   <a:solidFill>
                     <a:srgbClr val="000000"/>
                   </a:solidFill>
@@ -8966,7 +8971,7 @@
           <a:noFill/>
           <a:extLst>
             <a:ext uri="{909E8E84-426E-40dd-AFC4-6F175D3DCCD1}">
-              <a14:hiddenFill xmlns:a14="http://schemas.microsoft.com/office/drawing/2010/main" xmlns="">
+              <a14:hiddenFill xmlns="" xmlns:a14="http://schemas.microsoft.com/office/drawing/2010/main">
                 <a:solidFill>
                   <a:srgbClr val="FFFFFF"/>
                 </a:solidFill>
@@ -9040,7 +9045,7 @@
               </a:ln>
               <a:extLst>
                 <a:ext uri="{91240B29-F687-4f45-9708-019B960494DF}">
-                  <a14:hiddenLine xmlns:a14="http://schemas.microsoft.com/office/drawing/2010/main" xmlns="" w="9525">
+                  <a14:hiddenLine xmlns="" xmlns:a14="http://schemas.microsoft.com/office/drawing/2010/main" w="9525">
                     <a:solidFill>
                       <a:srgbClr val="000000"/>
                     </a:solidFill>
@@ -9130,7 +9135,7 @@
               </a:ln>
               <a:extLst>
                 <a:ext uri="{91240B29-F687-4f45-9708-019B960494DF}">
-                  <a14:hiddenLine xmlns:a14="http://schemas.microsoft.com/office/drawing/2010/main" xmlns="" w="9525">
+                  <a14:hiddenLine xmlns="" xmlns:a14="http://schemas.microsoft.com/office/drawing/2010/main" w="9525">
                     <a:solidFill>
                       <a:srgbClr val="000000"/>
                     </a:solidFill>
@@ -9220,7 +9225,7 @@
               </a:ln>
               <a:extLst>
                 <a:ext uri="{91240B29-F687-4f45-9708-019B960494DF}">
-                  <a14:hiddenLine xmlns:a14="http://schemas.microsoft.com/office/drawing/2010/main" xmlns="" w="9525">
+                  <a14:hiddenLine xmlns="" xmlns:a14="http://schemas.microsoft.com/office/drawing/2010/main" w="9525">
                     <a:solidFill>
                       <a:srgbClr val="000000"/>
                     </a:solidFill>
@@ -9282,7 +9287,7 @@
               </a:ln>
               <a:extLst>
                 <a:ext uri="{91240B29-F687-4f45-9708-019B960494DF}">
-                  <a14:hiddenLine xmlns:a14="http://schemas.microsoft.com/office/drawing/2010/main" xmlns="" w="9525">
+                  <a14:hiddenLine xmlns="" xmlns:a14="http://schemas.microsoft.com/office/drawing/2010/main" w="9525">
                     <a:solidFill>
                       <a:srgbClr val="000000"/>
                     </a:solidFill>
@@ -9372,7 +9377,7 @@
               </a:ln>
               <a:extLst>
                 <a:ext uri="{91240B29-F687-4f45-9708-019B960494DF}">
-                  <a14:hiddenLine xmlns:a14="http://schemas.microsoft.com/office/drawing/2010/main" xmlns="" w="9525">
+                  <a14:hiddenLine xmlns="" xmlns:a14="http://schemas.microsoft.com/office/drawing/2010/main" w="9525">
                     <a:solidFill>
                       <a:srgbClr val="000000"/>
                     </a:solidFill>
@@ -9434,7 +9439,7 @@
               </a:ln>
               <a:extLst>
                 <a:ext uri="{91240B29-F687-4f45-9708-019B960494DF}">
-                  <a14:hiddenLine xmlns:a14="http://schemas.microsoft.com/office/drawing/2010/main" xmlns="" w="9525">
+                  <a14:hiddenLine xmlns="" xmlns:a14="http://schemas.microsoft.com/office/drawing/2010/main" w="9525">
                     <a:solidFill>
                       <a:srgbClr val="000000"/>
                     </a:solidFill>
@@ -9496,7 +9501,7 @@
               </a:ln>
               <a:extLst>
                 <a:ext uri="{91240B29-F687-4f45-9708-019B960494DF}">
-                  <a14:hiddenLine xmlns:a14="http://schemas.microsoft.com/office/drawing/2010/main" xmlns="" w="9525">
+                  <a14:hiddenLine xmlns="" xmlns:a14="http://schemas.microsoft.com/office/drawing/2010/main" w="9525">
                     <a:solidFill>
                       <a:srgbClr val="000000"/>
                     </a:solidFill>
@@ -9586,7 +9591,7 @@
               </a:ln>
               <a:extLst>
                 <a:ext uri="{91240B29-F687-4f45-9708-019B960494DF}">
-                  <a14:hiddenLine xmlns:a14="http://schemas.microsoft.com/office/drawing/2010/main" xmlns="" w="9525">
+                  <a14:hiddenLine xmlns="" xmlns:a14="http://schemas.microsoft.com/office/drawing/2010/main" w="9525">
                     <a:solidFill>
                       <a:srgbClr val="000000"/>
                     </a:solidFill>
@@ -9676,7 +9681,7 @@
               </a:ln>
               <a:extLst>
                 <a:ext uri="{91240B29-F687-4f45-9708-019B960494DF}">
-                  <a14:hiddenLine xmlns:a14="http://schemas.microsoft.com/office/drawing/2010/main" xmlns="" w="9525">
+                  <a14:hiddenLine xmlns="" xmlns:a14="http://schemas.microsoft.com/office/drawing/2010/main" w="9525">
                     <a:solidFill>
                       <a:srgbClr val="000000"/>
                     </a:solidFill>
@@ -9738,7 +9743,7 @@
               </a:ln>
               <a:extLst>
                 <a:ext uri="{91240B29-F687-4f45-9708-019B960494DF}">
-                  <a14:hiddenLine xmlns:a14="http://schemas.microsoft.com/office/drawing/2010/main" xmlns="" w="9525">
+                  <a14:hiddenLine xmlns="" xmlns:a14="http://schemas.microsoft.com/office/drawing/2010/main" w="9525">
                     <a:solidFill>
                       <a:srgbClr val="000000"/>
                     </a:solidFill>
@@ -9848,7 +9853,7 @@
               </a:ln>
               <a:extLst>
                 <a:ext uri="{91240B29-F687-4f45-9708-019B960494DF}">
-                  <a14:hiddenLine xmlns:a14="http://schemas.microsoft.com/office/drawing/2010/main" xmlns="" w="9525">
+                  <a14:hiddenLine xmlns="" xmlns:a14="http://schemas.microsoft.com/office/drawing/2010/main" w="9525">
                     <a:solidFill>
                       <a:srgbClr val="000000"/>
                     </a:solidFill>
@@ -9932,7 +9937,7 @@
               </a:ln>
               <a:extLst>
                 <a:ext uri="{91240B29-F687-4f45-9708-019B960494DF}">
-                  <a14:hiddenLine xmlns:a14="http://schemas.microsoft.com/office/drawing/2010/main" xmlns="" w="9525">
+                  <a14:hiddenLine xmlns="" xmlns:a14="http://schemas.microsoft.com/office/drawing/2010/main" w="9525">
                     <a:solidFill>
                       <a:srgbClr val="000000"/>
                     </a:solidFill>
@@ -9994,7 +9999,7 @@
               </a:ln>
               <a:extLst>
                 <a:ext uri="{91240B29-F687-4f45-9708-019B960494DF}">
-                  <a14:hiddenLine xmlns:a14="http://schemas.microsoft.com/office/drawing/2010/main" xmlns="" w="9525">
+                  <a14:hiddenLine xmlns="" xmlns:a14="http://schemas.microsoft.com/office/drawing/2010/main" w="9525">
                     <a:solidFill>
                       <a:srgbClr val="000000"/>
                     </a:solidFill>
@@ -10056,7 +10061,7 @@
               </a:ln>
               <a:extLst>
                 <a:ext uri="{91240B29-F687-4f45-9708-019B960494DF}">
-                  <a14:hiddenLine xmlns:a14="http://schemas.microsoft.com/office/drawing/2010/main" xmlns="" w="9525">
+                  <a14:hiddenLine xmlns="" xmlns:a14="http://schemas.microsoft.com/office/drawing/2010/main" w="9525">
                     <a:solidFill>
                       <a:srgbClr val="000000"/>
                     </a:solidFill>
@@ -10146,7 +10151,7 @@
               </a:ln>
               <a:extLst>
                 <a:ext uri="{91240B29-F687-4f45-9708-019B960494DF}">
-                  <a14:hiddenLine xmlns:a14="http://schemas.microsoft.com/office/drawing/2010/main" xmlns="" w="9525">
+                  <a14:hiddenLine xmlns="" xmlns:a14="http://schemas.microsoft.com/office/drawing/2010/main" w="9525">
                     <a:solidFill>
                       <a:srgbClr val="000000"/>
                     </a:solidFill>
@@ -10180,7 +10185,7 @@
               </a:ln>
               <a:extLst>
                 <a:ext uri="{91240B29-F687-4f45-9708-019B960494DF}">
-                  <a14:hiddenLine xmlns:a14="http://schemas.microsoft.com/office/drawing/2010/main" xmlns="" w="9525">
+                  <a14:hiddenLine xmlns="" xmlns:a14="http://schemas.microsoft.com/office/drawing/2010/main" w="9525">
                     <a:solidFill>
                       <a:srgbClr val="000000"/>
                     </a:solidFill>
@@ -10245,7 +10250,7 @@
               </a:ln>
               <a:extLst>
                 <a:ext uri="{91240B29-F687-4f45-9708-019B960494DF}">
-                  <a14:hiddenLine xmlns:a14="http://schemas.microsoft.com/office/drawing/2010/main" xmlns="" w="9525">
+                  <a14:hiddenLine xmlns="" xmlns:a14="http://schemas.microsoft.com/office/drawing/2010/main" w="9525">
                     <a:solidFill>
                       <a:srgbClr val="000000"/>
                     </a:solidFill>
@@ -10335,7 +10340,7 @@
               </a:ln>
               <a:extLst>
                 <a:ext uri="{91240B29-F687-4f45-9708-019B960494DF}">
-                  <a14:hiddenLine xmlns:a14="http://schemas.microsoft.com/office/drawing/2010/main" xmlns="" w="9525">
+                  <a14:hiddenLine xmlns="" xmlns:a14="http://schemas.microsoft.com/office/drawing/2010/main" w="9525">
                     <a:solidFill>
                       <a:srgbClr val="000000"/>
                     </a:solidFill>
@@ -10397,7 +10402,7 @@
               </a:ln>
               <a:extLst>
                 <a:ext uri="{91240B29-F687-4f45-9708-019B960494DF}">
-                  <a14:hiddenLine xmlns:a14="http://schemas.microsoft.com/office/drawing/2010/main" xmlns="" w="9525">
+                  <a14:hiddenLine xmlns="" xmlns:a14="http://schemas.microsoft.com/office/drawing/2010/main" w="9525">
                     <a:solidFill>
                       <a:srgbClr val="000000"/>
                     </a:solidFill>
@@ -10487,7 +10492,7 @@
               </a:ln>
               <a:extLst>
                 <a:ext uri="{91240B29-F687-4f45-9708-019B960494DF}">
-                  <a14:hiddenLine xmlns:a14="http://schemas.microsoft.com/office/drawing/2010/main" xmlns="" w="9525">
+                  <a14:hiddenLine xmlns="" xmlns:a14="http://schemas.microsoft.com/office/drawing/2010/main" w="9525">
                     <a:solidFill>
                       <a:srgbClr val="000000"/>
                     </a:solidFill>
@@ -10552,7 +10557,7 @@
               </a:ln>
               <a:extLst>
                 <a:ext uri="{91240B29-F687-4f45-9708-019B960494DF}">
-                  <a14:hiddenLine xmlns:a14="http://schemas.microsoft.com/office/drawing/2010/main" xmlns="" w="9525">
+                  <a14:hiddenLine xmlns="" xmlns:a14="http://schemas.microsoft.com/office/drawing/2010/main" w="9525">
                     <a:solidFill>
                       <a:srgbClr val="000000"/>
                     </a:solidFill>
@@ -10614,7 +10619,7 @@
               </a:ln>
               <a:extLst>
                 <a:ext uri="{91240B29-F687-4f45-9708-019B960494DF}">
-                  <a14:hiddenLine xmlns:a14="http://schemas.microsoft.com/office/drawing/2010/main" xmlns="" w="9525">
+                  <a14:hiddenLine xmlns="" xmlns:a14="http://schemas.microsoft.com/office/drawing/2010/main" w="9525">
                     <a:solidFill>
                       <a:srgbClr val="000000"/>
                     </a:solidFill>
@@ -10704,7 +10709,7 @@
               </a:ln>
               <a:extLst>
                 <a:ext uri="{91240B29-F687-4f45-9708-019B960494DF}">
-                  <a14:hiddenLine xmlns:a14="http://schemas.microsoft.com/office/drawing/2010/main" xmlns="" w="9525">
+                  <a14:hiddenLine xmlns="" xmlns:a14="http://schemas.microsoft.com/office/drawing/2010/main" w="9525">
                     <a:solidFill>
                       <a:srgbClr val="000000"/>
                     </a:solidFill>
@@ -10794,7 +10799,7 @@
               </a:ln>
               <a:extLst>
                 <a:ext uri="{91240B29-F687-4f45-9708-019B960494DF}">
-                  <a14:hiddenLine xmlns:a14="http://schemas.microsoft.com/office/drawing/2010/main" xmlns="" w="9525">
+                  <a14:hiddenLine xmlns="" xmlns:a14="http://schemas.microsoft.com/office/drawing/2010/main" w="9525">
                     <a:solidFill>
                       <a:srgbClr val="000000"/>
                     </a:solidFill>
@@ -10859,7 +10864,7 @@
               </a:ln>
               <a:extLst>
                 <a:ext uri="{91240B29-F687-4f45-9708-019B960494DF}">
-                  <a14:hiddenLine xmlns:a14="http://schemas.microsoft.com/office/drawing/2010/main" xmlns="" w="9525">
+                  <a14:hiddenLine xmlns="" xmlns:a14="http://schemas.microsoft.com/office/drawing/2010/main" w="9525">
                     <a:solidFill>
                       <a:srgbClr val="000000"/>
                     </a:solidFill>
@@ -10979,7 +10984,7 @@
               </a:ln>
               <a:extLst>
                 <a:ext uri="{91240B29-F687-4f45-9708-019B960494DF}">
-                  <a14:hiddenLine xmlns:a14="http://schemas.microsoft.com/office/drawing/2010/main" xmlns="" w="9525">
+                  <a14:hiddenLine xmlns="" xmlns:a14="http://schemas.microsoft.com/office/drawing/2010/main" w="9525">
                     <a:solidFill>
                       <a:srgbClr val="000000"/>
                     </a:solidFill>
@@ -11077,7 +11082,7 @@
               </a:ln>
               <a:extLst>
                 <a:ext uri="{91240B29-F687-4f45-9708-019B960494DF}">
-                  <a14:hiddenLine xmlns:a14="http://schemas.microsoft.com/office/drawing/2010/main" xmlns="" w="9525">
+                  <a14:hiddenLine xmlns="" xmlns:a14="http://schemas.microsoft.com/office/drawing/2010/main" w="9525">
                     <a:solidFill>
                       <a:srgbClr val="000000"/>
                     </a:solidFill>
@@ -11192,7 +11197,7 @@
               </a:ln>
               <a:extLst>
                 <a:ext uri="{91240B29-F687-4f45-9708-019B960494DF}">
-                  <a14:hiddenLine xmlns:a14="http://schemas.microsoft.com/office/drawing/2010/main" xmlns="" w="9525">
+                  <a14:hiddenLine xmlns="" xmlns:a14="http://schemas.microsoft.com/office/drawing/2010/main" w="9525">
                     <a:solidFill>
                       <a:srgbClr val="000000"/>
                     </a:solidFill>
@@ -11282,7 +11287,7 @@
               </a:ln>
               <a:extLst>
                 <a:ext uri="{91240B29-F687-4f45-9708-019B960494DF}">
-                  <a14:hiddenLine xmlns:a14="http://schemas.microsoft.com/office/drawing/2010/main" xmlns="" w="9525">
+                  <a14:hiddenLine xmlns="" xmlns:a14="http://schemas.microsoft.com/office/drawing/2010/main" w="9525">
                     <a:solidFill>
                       <a:srgbClr val="000000"/>
                     </a:solidFill>
@@ -11347,7 +11352,7 @@
               </a:ln>
               <a:extLst>
                 <a:ext uri="{91240B29-F687-4f45-9708-019B960494DF}">
-                  <a14:hiddenLine xmlns:a14="http://schemas.microsoft.com/office/drawing/2010/main" xmlns="" w="9525">
+                  <a14:hiddenLine xmlns="" xmlns:a14="http://schemas.microsoft.com/office/drawing/2010/main" w="9525">
                     <a:solidFill>
                       <a:srgbClr val="000000"/>
                     </a:solidFill>
@@ -11437,7 +11442,7 @@
               </a:ln>
               <a:extLst>
                 <a:ext uri="{91240B29-F687-4f45-9708-019B960494DF}">
-                  <a14:hiddenLine xmlns:a14="http://schemas.microsoft.com/office/drawing/2010/main" xmlns="" w="9525">
+                  <a14:hiddenLine xmlns="" xmlns:a14="http://schemas.microsoft.com/office/drawing/2010/main" w="9525">
                     <a:solidFill>
                       <a:srgbClr val="000000"/>
                     </a:solidFill>
@@ -11505,7 +11510,7 @@
               </a:ln>
               <a:extLst>
                 <a:ext uri="{91240B29-F687-4f45-9708-019B960494DF}">
-                  <a14:hiddenLine xmlns:a14="http://schemas.microsoft.com/office/drawing/2010/main" xmlns="" w="9525">
+                  <a14:hiddenLine xmlns="" xmlns:a14="http://schemas.microsoft.com/office/drawing/2010/main" w="9525">
                     <a:solidFill>
                       <a:srgbClr val="000000"/>
                     </a:solidFill>
@@ -11595,7 +11600,7 @@
               </a:ln>
               <a:extLst>
                 <a:ext uri="{91240B29-F687-4f45-9708-019B960494DF}">
-                  <a14:hiddenLine xmlns:a14="http://schemas.microsoft.com/office/drawing/2010/main" xmlns="" w="9525">
+                  <a14:hiddenLine xmlns="" xmlns:a14="http://schemas.microsoft.com/office/drawing/2010/main" w="9525">
                     <a:solidFill>
                       <a:srgbClr val="000000"/>
                     </a:solidFill>
@@ -11663,7 +11668,7 @@
               </a:ln>
               <a:extLst>
                 <a:ext uri="{91240B29-F687-4f45-9708-019B960494DF}">
-                  <a14:hiddenLine xmlns:a14="http://schemas.microsoft.com/office/drawing/2010/main" xmlns="" w="9525">
+                  <a14:hiddenLine xmlns="" xmlns:a14="http://schemas.microsoft.com/office/drawing/2010/main" w="9525">
                     <a:solidFill>
                       <a:srgbClr val="000000"/>
                     </a:solidFill>
@@ -11753,7 +11758,7 @@
               </a:ln>
               <a:extLst>
                 <a:ext uri="{91240B29-F687-4f45-9708-019B960494DF}">
-                  <a14:hiddenLine xmlns:a14="http://schemas.microsoft.com/office/drawing/2010/main" xmlns="" w="9525">
+                  <a14:hiddenLine xmlns="" xmlns:a14="http://schemas.microsoft.com/office/drawing/2010/main" w="9525">
                     <a:solidFill>
                       <a:srgbClr val="000000"/>
                     </a:solidFill>
@@ -11787,7 +11792,7 @@
               </a:ln>
               <a:extLst>
                 <a:ext uri="{91240B29-F687-4f45-9708-019B960494DF}">
-                  <a14:hiddenLine xmlns:a14="http://schemas.microsoft.com/office/drawing/2010/main" xmlns="" w="9525">
+                  <a14:hiddenLine xmlns="" xmlns:a14="http://schemas.microsoft.com/office/drawing/2010/main" w="9525">
                     <a:solidFill>
                       <a:srgbClr val="000000"/>
                     </a:solidFill>
@@ -12500,6 +12505,13 @@
   <p:clrMapOvr>
     <a:masterClrMapping/>
   </p:clrMapOvr>
+  <p:timing>
+    <p:tnLst>
+      <p:par>
+        <p:cTn id="1" dur="indefinite" restart="never" nodeType="tmRoot"/>
+      </p:par>
+    </p:tnLst>
+  </p:timing>
 </p:sld>
 </file>
 
@@ -12637,6 +12649,13 @@
   <p:clrMapOvr>
     <a:masterClrMapping/>
   </p:clrMapOvr>
+  <p:timing>
+    <p:tnLst>
+      <p:par>
+        <p:cTn id="1" dur="indefinite" restart="never" nodeType="tmRoot"/>
+      </p:par>
+    </p:tnLst>
+  </p:timing>
 </p:sld>
 </file>
 
